--- a/figures/combined figures.pptx
+++ b/figures/combined figures.pptx
@@ -105,6 +105,11 @@
       </a:defRPr>
     </a:lvl9pPr>
   </p:defaultTextStyle>
+  <p:extLst>
+    <p:ext uri="{EFAFB233-063F-42B5-8137-9DF3F51BA10A}">
+      <p15:sldGuideLst xmlns:p15="http://schemas.microsoft.com/office/powerpoint/2012/main"/>
+    </p:ext>
+  </p:extLst>
 </p:presentation>
 </file>
 
@@ -255,7 +260,7 @@
           <a:p>
             <a:fld id="{3B9CA854-1830-564E-991A-93904064513A}" type="datetimeFigureOut">
               <a:rPr lang="en-US" smtClean="0"/>
-              <a:t>6/30/25</a:t>
+              <a:t>10/2/25</a:t>
             </a:fld>
             <a:endParaRPr lang="en-US"/>
           </a:p>
@@ -453,7 +458,7 @@
           <a:p>
             <a:fld id="{3B9CA854-1830-564E-991A-93904064513A}" type="datetimeFigureOut">
               <a:rPr lang="en-US" smtClean="0"/>
-              <a:t>6/30/25</a:t>
+              <a:t>10/2/25</a:t>
             </a:fld>
             <a:endParaRPr lang="en-US"/>
           </a:p>
@@ -661,7 +666,7 @@
           <a:p>
             <a:fld id="{3B9CA854-1830-564E-991A-93904064513A}" type="datetimeFigureOut">
               <a:rPr lang="en-US" smtClean="0"/>
-              <a:t>6/30/25</a:t>
+              <a:t>10/2/25</a:t>
             </a:fld>
             <a:endParaRPr lang="en-US"/>
           </a:p>
@@ -859,7 +864,7 @@
           <a:p>
             <a:fld id="{3B9CA854-1830-564E-991A-93904064513A}" type="datetimeFigureOut">
               <a:rPr lang="en-US" smtClean="0"/>
-              <a:t>6/30/25</a:t>
+              <a:t>10/2/25</a:t>
             </a:fld>
             <a:endParaRPr lang="en-US"/>
           </a:p>
@@ -1134,7 +1139,7 @@
           <a:p>
             <a:fld id="{3B9CA854-1830-564E-991A-93904064513A}" type="datetimeFigureOut">
               <a:rPr lang="en-US" smtClean="0"/>
-              <a:t>6/30/25</a:t>
+              <a:t>10/2/25</a:t>
             </a:fld>
             <a:endParaRPr lang="en-US"/>
           </a:p>
@@ -1399,7 +1404,7 @@
           <a:p>
             <a:fld id="{3B9CA854-1830-564E-991A-93904064513A}" type="datetimeFigureOut">
               <a:rPr lang="en-US" smtClean="0"/>
-              <a:t>6/30/25</a:t>
+              <a:t>10/2/25</a:t>
             </a:fld>
             <a:endParaRPr lang="en-US"/>
           </a:p>
@@ -1811,7 +1816,7 @@
           <a:p>
             <a:fld id="{3B9CA854-1830-564E-991A-93904064513A}" type="datetimeFigureOut">
               <a:rPr lang="en-US" smtClean="0"/>
-              <a:t>6/30/25</a:t>
+              <a:t>10/2/25</a:t>
             </a:fld>
             <a:endParaRPr lang="en-US"/>
           </a:p>
@@ -1952,7 +1957,7 @@
           <a:p>
             <a:fld id="{3B9CA854-1830-564E-991A-93904064513A}" type="datetimeFigureOut">
               <a:rPr lang="en-US" smtClean="0"/>
-              <a:t>6/30/25</a:t>
+              <a:t>10/2/25</a:t>
             </a:fld>
             <a:endParaRPr lang="en-US"/>
           </a:p>
@@ -2065,7 +2070,7 @@
           <a:p>
             <a:fld id="{3B9CA854-1830-564E-991A-93904064513A}" type="datetimeFigureOut">
               <a:rPr lang="en-US" smtClean="0"/>
-              <a:t>6/30/25</a:t>
+              <a:t>10/2/25</a:t>
             </a:fld>
             <a:endParaRPr lang="en-US"/>
           </a:p>
@@ -2376,7 +2381,7 @@
           <a:p>
             <a:fld id="{3B9CA854-1830-564E-991A-93904064513A}" type="datetimeFigureOut">
               <a:rPr lang="en-US" smtClean="0"/>
-              <a:t>6/30/25</a:t>
+              <a:t>10/2/25</a:t>
             </a:fld>
             <a:endParaRPr lang="en-US"/>
           </a:p>
@@ -2664,7 +2669,7 @@
           <a:p>
             <a:fld id="{3B9CA854-1830-564E-991A-93904064513A}" type="datetimeFigureOut">
               <a:rPr lang="en-US" smtClean="0"/>
-              <a:t>6/30/25</a:t>
+              <a:t>10/2/25</a:t>
             </a:fld>
             <a:endParaRPr lang="en-US"/>
           </a:p>
@@ -2905,7 +2910,7 @@
           <a:p>
             <a:fld id="{3B9CA854-1830-564E-991A-93904064513A}" type="datetimeFigureOut">
               <a:rPr lang="en-US" smtClean="0"/>
-              <a:t>6/30/25</a:t>
+              <a:t>10/2/25</a:t>
             </a:fld>
             <a:endParaRPr lang="en-US"/>
           </a:p>
@@ -3322,12 +3327,88 @@
           <a:chExt cx="0" cy="0"/>
         </a:xfrm>
       </p:grpSpPr>
+      <p:sp>
+        <p:nvSpPr>
+          <p:cNvPr id="8" name="TextBox 7">
+            <a:extLst>
+              <a:ext uri="{FF2B5EF4-FFF2-40B4-BE49-F238E27FC236}">
+                <a16:creationId xmlns:a16="http://schemas.microsoft.com/office/drawing/2014/main" id="{155ED281-6CB3-8197-5FE5-F8C7707636FE}"/>
+              </a:ext>
+            </a:extLst>
+          </p:cNvPr>
+          <p:cNvSpPr txBox="1"/>
+          <p:nvPr/>
+        </p:nvSpPr>
+        <p:spPr>
+          <a:xfrm>
+            <a:off x="1139869" y="958334"/>
+            <a:ext cx="338554" cy="369332"/>
+          </a:xfrm>
+          <a:prstGeom prst="rect">
+            <a:avLst/>
+          </a:prstGeom>
+          <a:noFill/>
+        </p:spPr>
+        <p:txBody>
+          <a:bodyPr wrap="none" rtlCol="0">
+            <a:spAutoFit/>
+          </a:bodyPr>
+          <a:lstStyle/>
+          <a:p>
+            <a:r>
+              <a:rPr lang="en-US" dirty="0">
+                <a:latin typeface="Arial" panose="020B0604020202020204" pitchFamily="34" charset="0"/>
+                <a:cs typeface="Arial" panose="020B0604020202020204" pitchFamily="34" charset="0"/>
+              </a:rPr>
+              <a:t>A</a:t>
+            </a:r>
+          </a:p>
+        </p:txBody>
+      </p:sp>
+      <p:sp>
+        <p:nvSpPr>
+          <p:cNvPr id="9" name="TextBox 8">
+            <a:extLst>
+              <a:ext uri="{FF2B5EF4-FFF2-40B4-BE49-F238E27FC236}">
+                <a16:creationId xmlns:a16="http://schemas.microsoft.com/office/drawing/2014/main" id="{ED517BD6-0BAC-9FDA-9B1A-DBB6252DA024}"/>
+              </a:ext>
+            </a:extLst>
+          </p:cNvPr>
+          <p:cNvSpPr txBox="1"/>
+          <p:nvPr/>
+        </p:nvSpPr>
+        <p:spPr>
+          <a:xfrm>
+            <a:off x="5762129" y="958334"/>
+            <a:ext cx="736947" cy="369332"/>
+          </a:xfrm>
+          <a:prstGeom prst="rect">
+            <a:avLst/>
+          </a:prstGeom>
+          <a:noFill/>
+        </p:spPr>
+        <p:txBody>
+          <a:bodyPr wrap="square" rtlCol="0">
+            <a:spAutoFit/>
+          </a:bodyPr>
+          <a:lstStyle/>
+          <a:p>
+            <a:r>
+              <a:rPr lang="en-US" dirty="0">
+                <a:latin typeface="Arial" panose="020B0604020202020204" pitchFamily="34" charset="0"/>
+                <a:cs typeface="Arial" panose="020B0604020202020204" pitchFamily="34" charset="0"/>
+              </a:rPr>
+              <a:t>B</a:t>
+            </a:r>
+          </a:p>
+        </p:txBody>
+      </p:sp>
       <p:pic>
         <p:nvPicPr>
-          <p:cNvPr id="5" name="Picture 4" descr="A graph of multiple colored bars&#10;&#10;Description automatically generated with medium confidence">
-            <a:extLst>
-              <a:ext uri="{FF2B5EF4-FFF2-40B4-BE49-F238E27FC236}">
-                <a16:creationId xmlns:a16="http://schemas.microsoft.com/office/drawing/2014/main" id="{738CDBBF-1D4B-C707-2DBA-4630A92572BB}"/>
+          <p:cNvPr id="3" name="Picture 2" descr="A graph of multiple colored bars&#10;&#10;Description automatically generated with medium confidence">
+            <a:extLst>
+              <a:ext uri="{FF2B5EF4-FFF2-40B4-BE49-F238E27FC236}">
+                <a16:creationId xmlns:a16="http://schemas.microsoft.com/office/drawing/2014/main" id="{1DF454B9-C58A-470D-A4B1-4FE7E76FBED8}"/>
               </a:ext>
             </a:extLst>
           </p:cNvPr>
@@ -3344,7 +3425,7 @@
         </p:blipFill>
         <p:spPr>
           <a:xfrm>
-            <a:off x="781833" y="1143000"/>
+            <a:off x="1126177" y="1327666"/>
             <a:ext cx="6400800" cy="4572000"/>
           </a:xfrm>
           <a:prstGeom prst="rect">
@@ -3354,10 +3435,10 @@
       </p:pic>
       <p:pic>
         <p:nvPicPr>
-          <p:cNvPr id="7" name="Picture 6" descr="A graph with multiple colored bars&#10;&#10;Description automatically generated with medium confidence">
-            <a:extLst>
-              <a:ext uri="{FF2B5EF4-FFF2-40B4-BE49-F238E27FC236}">
-                <a16:creationId xmlns:a16="http://schemas.microsoft.com/office/drawing/2014/main" id="{6200C1F9-7E58-B59C-3508-BB790CEE68C7}"/>
+          <p:cNvPr id="6" name="Picture 5" descr="A graph with multiple colored bars&#10;&#10;Description automatically generated with medium confidence">
+            <a:extLst>
+              <a:ext uri="{FF2B5EF4-FFF2-40B4-BE49-F238E27FC236}">
+                <a16:creationId xmlns:a16="http://schemas.microsoft.com/office/drawing/2014/main" id="{5F5AF867-9384-5FD0-7171-2BFC862894CA}"/>
               </a:ext>
             </a:extLst>
           </p:cNvPr>
@@ -3374,7 +3455,7 @@
         </p:blipFill>
         <p:spPr>
           <a:xfrm>
-            <a:off x="5434013" y="1143000"/>
+            <a:off x="5762129" y="1327666"/>
             <a:ext cx="6400800" cy="4572000"/>
           </a:xfrm>
           <a:prstGeom prst="rect">
@@ -3382,82 +3463,6 @@
           </a:prstGeom>
         </p:spPr>
       </p:pic>
-      <p:sp>
-        <p:nvSpPr>
-          <p:cNvPr id="8" name="TextBox 7">
-            <a:extLst>
-              <a:ext uri="{FF2B5EF4-FFF2-40B4-BE49-F238E27FC236}">
-                <a16:creationId xmlns:a16="http://schemas.microsoft.com/office/drawing/2014/main" id="{155ED281-6CB3-8197-5FE5-F8C7707636FE}"/>
-              </a:ext>
-            </a:extLst>
-          </p:cNvPr>
-          <p:cNvSpPr txBox="1"/>
-          <p:nvPr/>
-        </p:nvSpPr>
-        <p:spPr>
-          <a:xfrm>
-            <a:off x="1139869" y="958334"/>
-            <a:ext cx="338554" cy="369332"/>
-          </a:xfrm>
-          <a:prstGeom prst="rect">
-            <a:avLst/>
-          </a:prstGeom>
-          <a:noFill/>
-        </p:spPr>
-        <p:txBody>
-          <a:bodyPr wrap="none" rtlCol="0">
-            <a:spAutoFit/>
-          </a:bodyPr>
-          <a:lstStyle/>
-          <a:p>
-            <a:r>
-              <a:rPr lang="en-US" dirty="0">
-                <a:latin typeface="Arial" panose="020B0604020202020204" pitchFamily="34" charset="0"/>
-                <a:cs typeface="Arial" panose="020B0604020202020204" pitchFamily="34" charset="0"/>
-              </a:rPr>
-              <a:t>A</a:t>
-            </a:r>
-          </a:p>
-        </p:txBody>
-      </p:sp>
-      <p:sp>
-        <p:nvSpPr>
-          <p:cNvPr id="9" name="TextBox 8">
-            <a:extLst>
-              <a:ext uri="{FF2B5EF4-FFF2-40B4-BE49-F238E27FC236}">
-                <a16:creationId xmlns:a16="http://schemas.microsoft.com/office/drawing/2014/main" id="{ED517BD6-0BAC-9FDA-9B1A-DBB6252DA024}"/>
-              </a:ext>
-            </a:extLst>
-          </p:cNvPr>
-          <p:cNvSpPr txBox="1"/>
-          <p:nvPr/>
-        </p:nvSpPr>
-        <p:spPr>
-          <a:xfrm>
-            <a:off x="5762129" y="958334"/>
-            <a:ext cx="736947" cy="369332"/>
-          </a:xfrm>
-          <a:prstGeom prst="rect">
-            <a:avLst/>
-          </a:prstGeom>
-          <a:noFill/>
-        </p:spPr>
-        <p:txBody>
-          <a:bodyPr wrap="square" rtlCol="0">
-            <a:spAutoFit/>
-          </a:bodyPr>
-          <a:lstStyle/>
-          <a:p>
-            <a:r>
-              <a:rPr lang="en-US" dirty="0">
-                <a:latin typeface="Arial" panose="020B0604020202020204" pitchFamily="34" charset="0"/>
-                <a:cs typeface="Arial" panose="020B0604020202020204" pitchFamily="34" charset="0"/>
-              </a:rPr>
-              <a:t>B</a:t>
-            </a:r>
-          </a:p>
-        </p:txBody>
-      </p:sp>
     </p:spTree>
     <p:extLst>
       <p:ext uri="{BB962C8B-B14F-4D97-AF65-F5344CB8AC3E}">
@@ -3488,12 +3493,126 @@
           <a:chExt cx="0" cy="0"/>
         </a:xfrm>
       </p:grpSpPr>
+      <p:sp>
+        <p:nvSpPr>
+          <p:cNvPr id="8" name="TextBox 7">
+            <a:extLst>
+              <a:ext uri="{FF2B5EF4-FFF2-40B4-BE49-F238E27FC236}">
+                <a16:creationId xmlns:a16="http://schemas.microsoft.com/office/drawing/2014/main" id="{45EF1430-2498-023C-3950-A6BAB6CB4348}"/>
+              </a:ext>
+            </a:extLst>
+          </p:cNvPr>
+          <p:cNvSpPr txBox="1"/>
+          <p:nvPr/>
+        </p:nvSpPr>
+        <p:spPr>
+          <a:xfrm>
+            <a:off x="129583" y="958334"/>
+            <a:ext cx="338554" cy="369332"/>
+          </a:xfrm>
+          <a:prstGeom prst="rect">
+            <a:avLst/>
+          </a:prstGeom>
+          <a:noFill/>
+        </p:spPr>
+        <p:txBody>
+          <a:bodyPr wrap="none" rtlCol="0">
+            <a:spAutoFit/>
+          </a:bodyPr>
+          <a:lstStyle/>
+          <a:p>
+            <a:r>
+              <a:rPr lang="en-US" dirty="0">
+                <a:latin typeface="Arial" panose="020B0604020202020204" pitchFamily="34" charset="0"/>
+                <a:cs typeface="Arial" panose="020B0604020202020204" pitchFamily="34" charset="0"/>
+              </a:rPr>
+              <a:t>A</a:t>
+            </a:r>
+          </a:p>
+        </p:txBody>
+      </p:sp>
+      <p:sp>
+        <p:nvSpPr>
+          <p:cNvPr id="9" name="TextBox 8">
+            <a:extLst>
+              <a:ext uri="{FF2B5EF4-FFF2-40B4-BE49-F238E27FC236}">
+                <a16:creationId xmlns:a16="http://schemas.microsoft.com/office/drawing/2014/main" id="{32539E04-C74D-AA11-DF8F-6BE5F18ACEFD}"/>
+              </a:ext>
+            </a:extLst>
+          </p:cNvPr>
+          <p:cNvSpPr txBox="1"/>
+          <p:nvPr/>
+        </p:nvSpPr>
+        <p:spPr>
+          <a:xfrm>
+            <a:off x="3902603" y="958334"/>
+            <a:ext cx="736947" cy="369332"/>
+          </a:xfrm>
+          <a:prstGeom prst="rect">
+            <a:avLst/>
+          </a:prstGeom>
+          <a:noFill/>
+        </p:spPr>
+        <p:txBody>
+          <a:bodyPr wrap="square" rtlCol="0">
+            <a:spAutoFit/>
+          </a:bodyPr>
+          <a:lstStyle/>
+          <a:p>
+            <a:r>
+              <a:rPr lang="en-US" dirty="0">
+                <a:latin typeface="Arial" panose="020B0604020202020204" pitchFamily="34" charset="0"/>
+                <a:cs typeface="Arial" panose="020B0604020202020204" pitchFamily="34" charset="0"/>
+              </a:rPr>
+              <a:t>B</a:t>
+            </a:r>
+          </a:p>
+        </p:txBody>
+      </p:sp>
+      <p:sp>
+        <p:nvSpPr>
+          <p:cNvPr id="10" name="TextBox 9">
+            <a:extLst>
+              <a:ext uri="{FF2B5EF4-FFF2-40B4-BE49-F238E27FC236}">
+                <a16:creationId xmlns:a16="http://schemas.microsoft.com/office/drawing/2014/main" id="{FDA20E02-3A69-8671-A481-24D85D963B06}"/>
+              </a:ext>
+            </a:extLst>
+          </p:cNvPr>
+          <p:cNvSpPr txBox="1"/>
+          <p:nvPr/>
+        </p:nvSpPr>
+        <p:spPr>
+          <a:xfrm>
+            <a:off x="7669309" y="958334"/>
+            <a:ext cx="736947" cy="369332"/>
+          </a:xfrm>
+          <a:prstGeom prst="rect">
+            <a:avLst/>
+          </a:prstGeom>
+          <a:noFill/>
+        </p:spPr>
+        <p:txBody>
+          <a:bodyPr wrap="square" rtlCol="0">
+            <a:spAutoFit/>
+          </a:bodyPr>
+          <a:lstStyle/>
+          <a:p>
+            <a:r>
+              <a:rPr lang="en-US" dirty="0">
+                <a:latin typeface="Arial" panose="020B0604020202020204" pitchFamily="34" charset="0"/>
+                <a:cs typeface="Arial" panose="020B0604020202020204" pitchFamily="34" charset="0"/>
+              </a:rPr>
+              <a:t>C</a:t>
+            </a:r>
+          </a:p>
+        </p:txBody>
+      </p:sp>
       <p:pic>
         <p:nvPicPr>
-          <p:cNvPr id="3" name="Picture 2" descr="A graph with black dots and red line&#10;&#10;Description automatically generated">
-            <a:extLst>
-              <a:ext uri="{FF2B5EF4-FFF2-40B4-BE49-F238E27FC236}">
-                <a16:creationId xmlns:a16="http://schemas.microsoft.com/office/drawing/2014/main" id="{E6D94EFC-AC65-F95A-A43D-A76F2BFD2F0F}"/>
+          <p:cNvPr id="4" name="Picture 3" descr="A graph with black dots and red line&#10;&#10;Description automatically generated">
+            <a:extLst>
+              <a:ext uri="{FF2B5EF4-FFF2-40B4-BE49-F238E27FC236}">
+                <a16:creationId xmlns:a16="http://schemas.microsoft.com/office/drawing/2014/main" id="{4B64E048-45AB-D402-C1B7-04311252D045}"/>
               </a:ext>
             </a:extLst>
           </p:cNvPr>
@@ -3510,8 +3629,8 @@
         </p:blipFill>
         <p:spPr>
           <a:xfrm>
-            <a:off x="-8611" y="1143000"/>
-            <a:ext cx="4067827" cy="4067827"/>
+            <a:off x="133021" y="1327666"/>
+            <a:ext cx="3657600" cy="3657600"/>
           </a:xfrm>
           <a:prstGeom prst="rect">
             <a:avLst/>
@@ -3520,10 +3639,10 @@
       </p:pic>
       <p:pic>
         <p:nvPicPr>
-          <p:cNvPr id="5" name="Picture 4" descr="A graph with black dots and red line&#10;&#10;Description automatically generated">
-            <a:extLst>
-              <a:ext uri="{FF2B5EF4-FFF2-40B4-BE49-F238E27FC236}">
-                <a16:creationId xmlns:a16="http://schemas.microsoft.com/office/drawing/2014/main" id="{1BD7B6F4-5E59-1BA1-B117-F1CFB198F27A}"/>
+          <p:cNvPr id="11" name="Picture 10" descr="A graph with black dots and red line&#10;&#10;Description automatically generated">
+            <a:extLst>
+              <a:ext uri="{FF2B5EF4-FFF2-40B4-BE49-F238E27FC236}">
+                <a16:creationId xmlns:a16="http://schemas.microsoft.com/office/drawing/2014/main" id="{2511564D-28FD-1BDA-17C0-FFD91A86D190}"/>
               </a:ext>
             </a:extLst>
           </p:cNvPr>
@@ -3540,8 +3659,8 @@
         </p:blipFill>
         <p:spPr>
           <a:xfrm>
-            <a:off x="4062086" y="1143000"/>
-            <a:ext cx="4067827" cy="4067827"/>
+            <a:off x="3901165" y="1327666"/>
+            <a:ext cx="3657600" cy="3657600"/>
           </a:xfrm>
           <a:prstGeom prst="rect">
             <a:avLst/>
@@ -3550,10 +3669,10 @@
       </p:pic>
       <p:pic>
         <p:nvPicPr>
-          <p:cNvPr id="7" name="Picture 6" descr="A graph with a red line&#10;&#10;Description automatically generated">
-            <a:extLst>
-              <a:ext uri="{FF2B5EF4-FFF2-40B4-BE49-F238E27FC236}">
-                <a16:creationId xmlns:a16="http://schemas.microsoft.com/office/drawing/2014/main" id="{1309A7C7-C3EB-A341-4B1F-F2808566D6BB}"/>
+          <p:cNvPr id="13" name="Picture 12" descr="A graph with a red line&#10;&#10;Description automatically generated">
+            <a:extLst>
+              <a:ext uri="{FF2B5EF4-FFF2-40B4-BE49-F238E27FC236}">
+                <a16:creationId xmlns:a16="http://schemas.microsoft.com/office/drawing/2014/main" id="{612A8620-64E5-6B66-2A97-A9316FA62127}"/>
               </a:ext>
             </a:extLst>
           </p:cNvPr>
@@ -3570,128 +3689,14 @@
         </p:blipFill>
         <p:spPr>
           <a:xfrm>
-            <a:off x="8124173" y="1143000"/>
-            <a:ext cx="4067827" cy="4067827"/>
+            <a:off x="7669309" y="1327666"/>
+            <a:ext cx="3657600" cy="3657600"/>
           </a:xfrm>
           <a:prstGeom prst="rect">
             <a:avLst/>
           </a:prstGeom>
         </p:spPr>
       </p:pic>
-      <p:sp>
-        <p:nvSpPr>
-          <p:cNvPr id="8" name="TextBox 7">
-            <a:extLst>
-              <a:ext uri="{FF2B5EF4-FFF2-40B4-BE49-F238E27FC236}">
-                <a16:creationId xmlns:a16="http://schemas.microsoft.com/office/drawing/2014/main" id="{45EF1430-2498-023C-3950-A6BAB6CB4348}"/>
-              </a:ext>
-            </a:extLst>
-          </p:cNvPr>
-          <p:cNvSpPr txBox="1"/>
-          <p:nvPr/>
-        </p:nvSpPr>
-        <p:spPr>
-          <a:xfrm>
-            <a:off x="125263" y="958334"/>
-            <a:ext cx="338554" cy="369332"/>
-          </a:xfrm>
-          <a:prstGeom prst="rect">
-            <a:avLst/>
-          </a:prstGeom>
-          <a:noFill/>
-        </p:spPr>
-        <p:txBody>
-          <a:bodyPr wrap="none" rtlCol="0">
-            <a:spAutoFit/>
-          </a:bodyPr>
-          <a:lstStyle/>
-          <a:p>
-            <a:r>
-              <a:rPr lang="en-US" dirty="0">
-                <a:latin typeface="Arial" panose="020B0604020202020204" pitchFamily="34" charset="0"/>
-                <a:cs typeface="Arial" panose="020B0604020202020204" pitchFamily="34" charset="0"/>
-              </a:rPr>
-              <a:t>A</a:t>
-            </a:r>
-          </a:p>
-        </p:txBody>
-      </p:sp>
-      <p:sp>
-        <p:nvSpPr>
-          <p:cNvPr id="9" name="TextBox 8">
-            <a:extLst>
-              <a:ext uri="{FF2B5EF4-FFF2-40B4-BE49-F238E27FC236}">
-                <a16:creationId xmlns:a16="http://schemas.microsoft.com/office/drawing/2014/main" id="{32539E04-C74D-AA11-DF8F-6BE5F18ACEFD}"/>
-              </a:ext>
-            </a:extLst>
-          </p:cNvPr>
-          <p:cNvSpPr txBox="1"/>
-          <p:nvPr/>
-        </p:nvSpPr>
-        <p:spPr>
-          <a:xfrm>
-            <a:off x="4193090" y="958334"/>
-            <a:ext cx="736947" cy="369332"/>
-          </a:xfrm>
-          <a:prstGeom prst="rect">
-            <a:avLst/>
-          </a:prstGeom>
-          <a:noFill/>
-        </p:spPr>
-        <p:txBody>
-          <a:bodyPr wrap="square" rtlCol="0">
-            <a:spAutoFit/>
-          </a:bodyPr>
-          <a:lstStyle/>
-          <a:p>
-            <a:r>
-              <a:rPr lang="en-US" dirty="0">
-                <a:latin typeface="Arial" panose="020B0604020202020204" pitchFamily="34" charset="0"/>
-                <a:cs typeface="Arial" panose="020B0604020202020204" pitchFamily="34" charset="0"/>
-              </a:rPr>
-              <a:t>B</a:t>
-            </a:r>
-          </a:p>
-        </p:txBody>
-      </p:sp>
-      <p:sp>
-        <p:nvSpPr>
-          <p:cNvPr id="10" name="TextBox 9">
-            <a:extLst>
-              <a:ext uri="{FF2B5EF4-FFF2-40B4-BE49-F238E27FC236}">
-                <a16:creationId xmlns:a16="http://schemas.microsoft.com/office/drawing/2014/main" id="{FDA20E02-3A69-8671-A481-24D85D963B06}"/>
-              </a:ext>
-            </a:extLst>
-          </p:cNvPr>
-          <p:cNvSpPr txBox="1"/>
-          <p:nvPr/>
-        </p:nvSpPr>
-        <p:spPr>
-          <a:xfrm>
-            <a:off x="8290836" y="958334"/>
-            <a:ext cx="736947" cy="369332"/>
-          </a:xfrm>
-          <a:prstGeom prst="rect">
-            <a:avLst/>
-          </a:prstGeom>
-          <a:noFill/>
-        </p:spPr>
-        <p:txBody>
-          <a:bodyPr wrap="square" rtlCol="0">
-            <a:spAutoFit/>
-          </a:bodyPr>
-          <a:lstStyle/>
-          <a:p>
-            <a:r>
-              <a:rPr lang="en-US" dirty="0">
-                <a:latin typeface="Arial" panose="020B0604020202020204" pitchFamily="34" charset="0"/>
-                <a:cs typeface="Arial" panose="020B0604020202020204" pitchFamily="34" charset="0"/>
-              </a:rPr>
-              <a:t>C</a:t>
-            </a:r>
-          </a:p>
-        </p:txBody>
-      </p:sp>
     </p:spTree>
     <p:extLst>
       <p:ext uri="{BB962C8B-B14F-4D97-AF65-F5344CB8AC3E}">
